--- a/readings/usability.pptx
+++ b/readings/usability.pptx
@@ -9,6 +9,7 @@
     <p:sldId id="257" r:id="rId3"/>
     <p:sldId id="258" r:id="rId4"/>
     <p:sldId id="259" r:id="rId5"/>
+    <p:sldId id="260" r:id="rId6"/>
   </p:sldIdLst>
   <p:sldSz cx="12192000" cy="6858000"/>
   <p:notesSz cx="6858000" cy="9144000"/>
@@ -6378,11 +6379,7 @@
           <a:p>
             <a:r>
               <a:rPr lang="en-US" dirty="0" smtClean="0"/>
-              <a:t>Benefits </a:t>
-            </a:r>
-            <a:r>
-              <a:rPr lang="en-US" smtClean="0"/>
-              <a:t>of Usability Testing</a:t>
+              <a:t>Benefits of Usability Testing</a:t>
             </a:r>
             <a:endParaRPr lang="en-US" dirty="0"/>
           </a:p>
@@ -6449,6 +6446,131 @@
     <p:extLst>
       <p:ext uri="{BB962C8B-B14F-4D97-AF65-F5344CB8AC3E}">
         <p14:creationId xmlns:p14="http://schemas.microsoft.com/office/powerpoint/2010/main" val="1688716071"/>
+      </p:ext>
+    </p:extLst>
+  </p:cSld>
+  <p:clrMapOvr>
+    <a:masterClrMapping/>
+  </p:clrMapOvr>
+</p:sld>
+</file>
+
+<file path=ppt/slides/slide5.xml><?xml version="1.0" encoding="utf-8"?>
+<p:sld xmlns:a="http://schemas.openxmlformats.org/drawingml/2006/main" xmlns:r="http://schemas.openxmlformats.org/officeDocument/2006/relationships" xmlns:p="http://schemas.openxmlformats.org/presentationml/2006/main">
+  <p:cSld>
+    <p:spTree>
+      <p:nvGrpSpPr>
+        <p:cNvPr id="1" name=""/>
+        <p:cNvGrpSpPr/>
+        <p:nvPr/>
+      </p:nvGrpSpPr>
+      <p:grpSpPr>
+        <a:xfrm>
+          <a:off x="0" y="0"/>
+          <a:ext cx="0" cy="0"/>
+          <a:chOff x="0" y="0"/>
+          <a:chExt cx="0" cy="0"/>
+        </a:xfrm>
+      </p:grpSpPr>
+      <p:sp>
+        <p:nvSpPr>
+          <p:cNvPr id="2" name="Title 1"/>
+          <p:cNvSpPr>
+            <a:spLocks noGrp="1"/>
+          </p:cNvSpPr>
+          <p:nvPr>
+            <p:ph type="title"/>
+          </p:nvPr>
+        </p:nvSpPr>
+        <p:spPr/>
+        <p:txBody>
+          <a:bodyPr/>
+          <a:lstStyle/>
+          <a:p>
+            <a:r>
+              <a:rPr lang="en-US" dirty="0" smtClean="0"/>
+              <a:t>Usability Testing Procedure</a:t>
+            </a:r>
+            <a:endParaRPr lang="en-US" dirty="0"/>
+          </a:p>
+        </p:txBody>
+      </p:sp>
+      <p:sp>
+        <p:nvSpPr>
+          <p:cNvPr id="3" name="Content Placeholder 2"/>
+          <p:cNvSpPr>
+            <a:spLocks noGrp="1"/>
+          </p:cNvSpPr>
+          <p:nvPr>
+            <p:ph idx="1"/>
+          </p:nvPr>
+        </p:nvSpPr>
+        <p:spPr>
+          <a:xfrm>
+            <a:off x="1484310" y="2261937"/>
+            <a:ext cx="10338722" cy="3529263"/>
+          </a:xfrm>
+        </p:spPr>
+        <p:txBody>
+          <a:bodyPr/>
+          <a:lstStyle/>
+          <a:p>
+            <a:pPr marL="457200" indent="-457200">
+              <a:buFont typeface="+mj-lt"/>
+              <a:buAutoNum type="arabicPeriod"/>
+            </a:pPr>
+            <a:r>
+              <a:rPr lang="en-US" dirty="0" smtClean="0"/>
+              <a:t>Identify your target user</a:t>
+            </a:r>
+          </a:p>
+          <a:p>
+            <a:pPr marL="457200" indent="-457200">
+              <a:buFont typeface="+mj-lt"/>
+              <a:buAutoNum type="arabicPeriod"/>
+            </a:pPr>
+            <a:r>
+              <a:rPr lang="en-US" dirty="0" smtClean="0"/>
+              <a:t>Create scenarios and tasks</a:t>
+            </a:r>
+          </a:p>
+          <a:p>
+            <a:pPr marL="457200" indent="-457200">
+              <a:buFont typeface="+mj-lt"/>
+              <a:buAutoNum type="arabicPeriod"/>
+            </a:pPr>
+            <a:r>
+              <a:rPr lang="en-US" dirty="0" smtClean="0"/>
+              <a:t>Develop measurement instruments</a:t>
+            </a:r>
+          </a:p>
+          <a:p>
+            <a:pPr marL="457200" indent="-457200">
+              <a:buFont typeface="+mj-lt"/>
+              <a:buAutoNum type="arabicPeriod"/>
+            </a:pPr>
+            <a:r>
+              <a:rPr lang="en-US" dirty="0" smtClean="0"/>
+              <a:t>Conduct test</a:t>
+            </a:r>
+          </a:p>
+          <a:p>
+            <a:pPr marL="457200" indent="-457200">
+              <a:buFont typeface="+mj-lt"/>
+              <a:buAutoNum type="arabicPeriod"/>
+            </a:pPr>
+            <a:r>
+              <a:rPr lang="en-US" dirty="0" smtClean="0"/>
+              <a:t>Analyze and write results</a:t>
+            </a:r>
+            <a:endParaRPr lang="en-US" dirty="0"/>
+          </a:p>
+        </p:txBody>
+      </p:sp>
+    </p:spTree>
+    <p:extLst>
+      <p:ext uri="{BB962C8B-B14F-4D97-AF65-F5344CB8AC3E}">
+        <p14:creationId xmlns:p14="http://schemas.microsoft.com/office/powerpoint/2010/main" val="723212657"/>
       </p:ext>
     </p:extLst>
   </p:cSld>

--- a/readings/usability.pptx
+++ b/readings/usability.pptx
@@ -10,6 +10,19 @@
     <p:sldId id="258" r:id="rId4"/>
     <p:sldId id="259" r:id="rId5"/>
     <p:sldId id="260" r:id="rId6"/>
+    <p:sldId id="261" r:id="rId7"/>
+    <p:sldId id="262" r:id="rId8"/>
+    <p:sldId id="263" r:id="rId9"/>
+    <p:sldId id="264" r:id="rId10"/>
+    <p:sldId id="265" r:id="rId11"/>
+    <p:sldId id="266" r:id="rId12"/>
+    <p:sldId id="267" r:id="rId13"/>
+    <p:sldId id="268" r:id="rId14"/>
+    <p:sldId id="269" r:id="rId15"/>
+    <p:sldId id="271" r:id="rId16"/>
+    <p:sldId id="272" r:id="rId17"/>
+    <p:sldId id="273" r:id="rId18"/>
+    <p:sldId id="270" r:id="rId19"/>
   </p:sldIdLst>
   <p:sldSz cx="12192000" cy="6858000"/>
   <p:notesSz cx="6858000" cy="9144000"/>
@@ -108,6 +121,11 @@
       </a:defRPr>
     </a:lvl9pPr>
   </p:defaultTextStyle>
+  <p:extLst>
+    <p:ext uri="{EFAFB233-063F-42B5-8137-9DF3F51BA10A}">
+      <p15:sldGuideLst xmlns:p15="http://schemas.microsoft.com/office/powerpoint/2012/main"/>
+    </p:ext>
+  </p:extLst>
 </p:presentation>
 </file>
 
@@ -614,7 +632,7 @@
             <a:fld id="{B61BEF0D-F0BB-DE4B-95CE-6DB70DBA9567}" type="datetimeFigureOut">
               <a:rPr lang="en-US" dirty="0"/>
               <a:pPr/>
-              <a:t>11/6/15</a:t>
+              <a:t>11/9/15</a:t>
             </a:fld>
             <a:endParaRPr lang="en-US" dirty="0"/>
           </a:p>
@@ -907,7 +925,7 @@
             <a:fld id="{B61BEF0D-F0BB-DE4B-95CE-6DB70DBA9567}" type="datetimeFigureOut">
               <a:rPr lang="en-US" dirty="0"/>
               <a:pPr/>
-              <a:t>11/6/15</a:t>
+              <a:t>11/9/15</a:t>
             </a:fld>
             <a:endParaRPr lang="en-US" dirty="0"/>
           </a:p>
@@ -1152,7 +1170,7 @@
             <a:fld id="{B61BEF0D-F0BB-DE4B-95CE-6DB70DBA9567}" type="datetimeFigureOut">
               <a:rPr lang="en-US" dirty="0"/>
               <a:pPr/>
-              <a:t>11/6/15</a:t>
+              <a:t>11/9/15</a:t>
             </a:fld>
             <a:endParaRPr lang="en-US" dirty="0"/>
           </a:p>
@@ -1689,7 +1707,7 @@
             <a:fld id="{B61BEF0D-F0BB-DE4B-95CE-6DB70DBA9567}" type="datetimeFigureOut">
               <a:rPr lang="en-US" dirty="0"/>
               <a:pPr/>
-              <a:t>11/6/15</a:t>
+              <a:t>11/9/15</a:t>
             </a:fld>
             <a:endParaRPr lang="en-US" dirty="0"/>
           </a:p>
@@ -1934,7 +1952,7 @@
             <a:fld id="{B61BEF0D-F0BB-DE4B-95CE-6DB70DBA9567}" type="datetimeFigureOut">
               <a:rPr lang="en-US" dirty="0"/>
               <a:pPr/>
-              <a:t>11/6/15</a:t>
+              <a:t>11/9/15</a:t>
             </a:fld>
             <a:endParaRPr lang="en-US" dirty="0"/>
           </a:p>
@@ -2463,7 +2481,7 @@
             <a:fld id="{B61BEF0D-F0BB-DE4B-95CE-6DB70DBA9567}" type="datetimeFigureOut">
               <a:rPr lang="en-US" dirty="0"/>
               <a:pPr/>
-              <a:t>11/6/15</a:t>
+              <a:t>11/9/15</a:t>
             </a:fld>
             <a:endParaRPr lang="en-US" dirty="0"/>
           </a:p>
@@ -2757,7 +2775,7 @@
             <a:fld id="{B61BEF0D-F0BB-DE4B-95CE-6DB70DBA9567}" type="datetimeFigureOut">
               <a:rPr lang="en-US" dirty="0"/>
               <a:pPr/>
-              <a:t>11/6/15</a:t>
+              <a:t>11/9/15</a:t>
             </a:fld>
             <a:endParaRPr lang="en-US" dirty="0"/>
           </a:p>
@@ -2928,7 +2946,7 @@
             <a:fld id="{B61BEF0D-F0BB-DE4B-95CE-6DB70DBA9567}" type="datetimeFigureOut">
               <a:rPr lang="en-US" dirty="0"/>
               <a:pPr/>
-              <a:t>11/6/15</a:t>
+              <a:t>11/9/15</a:t>
             </a:fld>
             <a:endParaRPr lang="en-US" dirty="0"/>
           </a:p>
@@ -3105,7 +3123,7 @@
             <a:fld id="{B61BEF0D-F0BB-DE4B-95CE-6DB70DBA9567}" type="datetimeFigureOut">
               <a:rPr lang="en-US" dirty="0"/>
               <a:pPr/>
-              <a:t>11/6/15</a:t>
+              <a:t>11/9/15</a:t>
             </a:fld>
             <a:endParaRPr lang="en-US" dirty="0"/>
           </a:p>
@@ -3272,7 +3290,7 @@
             <a:fld id="{B61BEF0D-F0BB-DE4B-95CE-6DB70DBA9567}" type="datetimeFigureOut">
               <a:rPr lang="en-US" dirty="0"/>
               <a:pPr/>
-              <a:t>11/6/15</a:t>
+              <a:t>11/9/15</a:t>
             </a:fld>
             <a:endParaRPr lang="en-US" dirty="0"/>
           </a:p>
@@ -3520,7 +3538,7 @@
             <a:fld id="{B61BEF0D-F0BB-DE4B-95CE-6DB70DBA9567}" type="datetimeFigureOut">
               <a:rPr lang="en-US" dirty="0"/>
               <a:pPr/>
-              <a:t>11/6/15</a:t>
+              <a:t>11/9/15</a:t>
             </a:fld>
             <a:endParaRPr lang="en-US" dirty="0"/>
           </a:p>
@@ -3814,7 +3832,7 @@
             <a:fld id="{B61BEF0D-F0BB-DE4B-95CE-6DB70DBA9567}" type="datetimeFigureOut">
               <a:rPr lang="en-US" dirty="0"/>
               <a:pPr/>
-              <a:t>11/6/15</a:t>
+              <a:t>11/9/15</a:t>
             </a:fld>
             <a:endParaRPr lang="en-US" dirty="0"/>
           </a:p>
@@ -4253,7 +4271,7 @@
             <a:fld id="{B61BEF0D-F0BB-DE4B-95CE-6DB70DBA9567}" type="datetimeFigureOut">
               <a:rPr lang="en-US" dirty="0"/>
               <a:pPr/>
-              <a:t>11/6/15</a:t>
+              <a:t>11/9/15</a:t>
             </a:fld>
             <a:endParaRPr lang="en-US" dirty="0"/>
           </a:p>
@@ -4368,7 +4386,7 @@
             <a:fld id="{B61BEF0D-F0BB-DE4B-95CE-6DB70DBA9567}" type="datetimeFigureOut">
               <a:rPr lang="en-US" dirty="0"/>
               <a:pPr/>
-              <a:t>11/6/15</a:t>
+              <a:t>11/9/15</a:t>
             </a:fld>
             <a:endParaRPr lang="en-US" dirty="0"/>
           </a:p>
@@ -4460,7 +4478,7 @@
             <a:fld id="{B61BEF0D-F0BB-DE4B-95CE-6DB70DBA9567}" type="datetimeFigureOut">
               <a:rPr lang="en-US" dirty="0"/>
               <a:pPr/>
-              <a:t>11/6/15</a:t>
+              <a:t>11/9/15</a:t>
             </a:fld>
             <a:endParaRPr lang="en-US" dirty="0"/>
           </a:p>
@@ -4740,7 +4758,7 @@
             <a:fld id="{B61BEF0D-F0BB-DE4B-95CE-6DB70DBA9567}" type="datetimeFigureOut">
               <a:rPr lang="en-US" dirty="0"/>
               <a:pPr/>
-              <a:t>11/6/15</a:t>
+              <a:t>11/9/15</a:t>
             </a:fld>
             <a:endParaRPr lang="en-US" dirty="0"/>
           </a:p>
@@ -5028,7 +5046,7 @@
             <a:fld id="{B61BEF0D-F0BB-DE4B-95CE-6DB70DBA9567}" type="datetimeFigureOut">
               <a:rPr lang="en-US" dirty="0"/>
               <a:pPr/>
-              <a:t>11/6/15</a:t>
+              <a:t>11/9/15</a:t>
             </a:fld>
             <a:endParaRPr lang="en-US" dirty="0"/>
           </a:p>
@@ -5555,7 +5573,7 @@
             <a:fld id="{B61BEF0D-F0BB-DE4B-95CE-6DB70DBA9567}" type="datetimeFigureOut">
               <a:rPr lang="en-US" dirty="0"/>
               <a:pPr/>
-              <a:t>11/6/15</a:t>
+              <a:t>11/9/15</a:t>
             </a:fld>
             <a:endParaRPr lang="en-US" dirty="0"/>
           </a:p>
@@ -6147,6 +6165,1054 @@
 </p:sld>
 </file>
 
+<file path=ppt/slides/slide10.xml><?xml version="1.0" encoding="utf-8"?>
+<p:sld xmlns:a="http://schemas.openxmlformats.org/drawingml/2006/main" xmlns:r="http://schemas.openxmlformats.org/officeDocument/2006/relationships" xmlns:p="http://schemas.openxmlformats.org/presentationml/2006/main">
+  <p:cSld>
+    <p:spTree>
+      <p:nvGrpSpPr>
+        <p:cNvPr id="1" name=""/>
+        <p:cNvGrpSpPr/>
+        <p:nvPr/>
+      </p:nvGrpSpPr>
+      <p:grpSpPr>
+        <a:xfrm>
+          <a:off x="0" y="0"/>
+          <a:ext cx="0" cy="0"/>
+          <a:chOff x="0" y="0"/>
+          <a:chExt cx="0" cy="0"/>
+        </a:xfrm>
+      </p:grpSpPr>
+      <p:sp>
+        <p:nvSpPr>
+          <p:cNvPr id="2" name="Title 1"/>
+          <p:cNvSpPr>
+            <a:spLocks noGrp="1"/>
+          </p:cNvSpPr>
+          <p:nvPr>
+            <p:ph type="title"/>
+          </p:nvPr>
+        </p:nvSpPr>
+        <p:spPr/>
+        <p:txBody>
+          <a:bodyPr/>
+          <a:lstStyle/>
+          <a:p>
+            <a:r>
+              <a:rPr lang="en-US" dirty="0" smtClean="0"/>
+              <a:t>Avoiding Clues Example </a:t>
+            </a:r>
+            <a:endParaRPr lang="en-US" dirty="0"/>
+          </a:p>
+        </p:txBody>
+      </p:sp>
+      <p:sp>
+        <p:nvSpPr>
+          <p:cNvPr id="3" name="Content Placeholder 2"/>
+          <p:cNvSpPr>
+            <a:spLocks noGrp="1"/>
+          </p:cNvSpPr>
+          <p:nvPr>
+            <p:ph idx="1"/>
+          </p:nvPr>
+        </p:nvSpPr>
+        <p:spPr/>
+        <p:txBody>
+          <a:bodyPr/>
+          <a:lstStyle/>
+          <a:p>
+            <a:r>
+              <a:rPr lang="en-US" dirty="0"/>
+              <a:t>User goal: Look up </a:t>
+            </a:r>
+            <a:r>
+              <a:rPr lang="en-US" dirty="0" smtClean="0"/>
+              <a:t>grades.</a:t>
+            </a:r>
+          </a:p>
+          <a:p>
+            <a:r>
+              <a:rPr lang="en-US" dirty="0" smtClean="0"/>
+              <a:t>Poor </a:t>
+            </a:r>
+            <a:r>
+              <a:rPr lang="en-US" dirty="0"/>
+              <a:t>task: </a:t>
+            </a:r>
+            <a:r>
+              <a:rPr lang="en-US" i="1" dirty="0"/>
+              <a:t>You want to see the results of your midterm exams. Go to the website, sign in, and tell me where you would click to get your </a:t>
+            </a:r>
+            <a:r>
+              <a:rPr lang="en-US" i="1" dirty="0" smtClean="0"/>
+              <a:t>transcript.</a:t>
+            </a:r>
+            <a:endParaRPr lang="en-US" dirty="0" smtClean="0"/>
+          </a:p>
+          <a:p>
+            <a:r>
+              <a:rPr lang="en-US" dirty="0" smtClean="0"/>
+              <a:t>Better </a:t>
+            </a:r>
+            <a:r>
+              <a:rPr lang="en-US" dirty="0"/>
+              <a:t>task: </a:t>
+            </a:r>
+            <a:r>
+              <a:rPr lang="en-US" i="1" dirty="0"/>
+              <a:t>Look up the results of your midterm exams.</a:t>
+            </a:r>
+            <a:endParaRPr lang="en-US" dirty="0"/>
+          </a:p>
+        </p:txBody>
+      </p:sp>
+    </p:spTree>
+    <p:extLst>
+      <p:ext uri="{BB962C8B-B14F-4D97-AF65-F5344CB8AC3E}">
+        <p14:creationId xmlns:p14="http://schemas.microsoft.com/office/powerpoint/2010/main" val="1030691745"/>
+      </p:ext>
+    </p:extLst>
+  </p:cSld>
+  <p:clrMapOvr>
+    <a:masterClrMapping/>
+  </p:clrMapOvr>
+</p:sld>
+</file>
+
+<file path=ppt/slides/slide11.xml><?xml version="1.0" encoding="utf-8"?>
+<p:sld xmlns:a="http://schemas.openxmlformats.org/drawingml/2006/main" xmlns:r="http://schemas.openxmlformats.org/officeDocument/2006/relationships" xmlns:p="http://schemas.openxmlformats.org/presentationml/2006/main">
+  <p:cSld>
+    <p:spTree>
+      <p:nvGrpSpPr>
+        <p:cNvPr id="1" name=""/>
+        <p:cNvGrpSpPr/>
+        <p:nvPr/>
+      </p:nvGrpSpPr>
+      <p:grpSpPr>
+        <a:xfrm>
+          <a:off x="0" y="0"/>
+          <a:ext cx="0" cy="0"/>
+          <a:chOff x="0" y="0"/>
+          <a:chExt cx="0" cy="0"/>
+        </a:xfrm>
+      </p:grpSpPr>
+      <p:sp>
+        <p:nvSpPr>
+          <p:cNvPr id="2" name="Title 1"/>
+          <p:cNvSpPr>
+            <a:spLocks noGrp="1"/>
+          </p:cNvSpPr>
+          <p:nvPr>
+            <p:ph type="title"/>
+          </p:nvPr>
+        </p:nvSpPr>
+        <p:spPr/>
+        <p:txBody>
+          <a:bodyPr/>
+          <a:lstStyle/>
+          <a:p>
+            <a:r>
+              <a:rPr lang="en-US" dirty="0" smtClean="0"/>
+              <a:t>Come up with 3 tasks for Using </a:t>
+            </a:r>
+            <a:r>
+              <a:rPr lang="en-US" dirty="0" err="1" smtClean="0"/>
+              <a:t>MyUNT</a:t>
+            </a:r>
+            <a:endParaRPr lang="en-US" dirty="0"/>
+          </a:p>
+        </p:txBody>
+      </p:sp>
+      <p:sp>
+        <p:nvSpPr>
+          <p:cNvPr id="3" name="Content Placeholder 2"/>
+          <p:cNvSpPr>
+            <a:spLocks noGrp="1"/>
+          </p:cNvSpPr>
+          <p:nvPr>
+            <p:ph idx="1"/>
+          </p:nvPr>
+        </p:nvSpPr>
+        <p:spPr/>
+        <p:txBody>
+          <a:bodyPr/>
+          <a:lstStyle/>
+          <a:p>
+            <a:r>
+              <a:rPr lang="en-US" dirty="0" smtClean="0"/>
+              <a:t>Write 3 tasks that are realistic, actionable, and avoid clues or describing steps</a:t>
+            </a:r>
+          </a:p>
+          <a:p>
+            <a:r>
+              <a:rPr lang="en-US" dirty="0" smtClean="0"/>
+              <a:t>Create a scenario for one or more tasks</a:t>
+            </a:r>
+            <a:endParaRPr lang="en-US" dirty="0"/>
+          </a:p>
+        </p:txBody>
+      </p:sp>
+    </p:spTree>
+    <p:extLst>
+      <p:ext uri="{BB962C8B-B14F-4D97-AF65-F5344CB8AC3E}">
+        <p14:creationId xmlns:p14="http://schemas.microsoft.com/office/powerpoint/2010/main" val="1506606184"/>
+      </p:ext>
+    </p:extLst>
+  </p:cSld>
+  <p:clrMapOvr>
+    <a:masterClrMapping/>
+  </p:clrMapOvr>
+</p:sld>
+</file>
+
+<file path=ppt/slides/slide12.xml><?xml version="1.0" encoding="utf-8"?>
+<p:sld xmlns:a="http://schemas.openxmlformats.org/drawingml/2006/main" xmlns:r="http://schemas.openxmlformats.org/officeDocument/2006/relationships" xmlns:p="http://schemas.openxmlformats.org/presentationml/2006/main">
+  <p:cSld>
+    <p:spTree>
+      <p:nvGrpSpPr>
+        <p:cNvPr id="1" name=""/>
+        <p:cNvGrpSpPr/>
+        <p:nvPr/>
+      </p:nvGrpSpPr>
+      <p:grpSpPr>
+        <a:xfrm>
+          <a:off x="0" y="0"/>
+          <a:ext cx="0" cy="0"/>
+          <a:chOff x="0" y="0"/>
+          <a:chExt cx="0" cy="0"/>
+        </a:xfrm>
+      </p:grpSpPr>
+      <p:sp>
+        <p:nvSpPr>
+          <p:cNvPr id="2" name="Title 1"/>
+          <p:cNvSpPr>
+            <a:spLocks noGrp="1"/>
+          </p:cNvSpPr>
+          <p:nvPr>
+            <p:ph type="title"/>
+          </p:nvPr>
+        </p:nvSpPr>
+        <p:spPr>
+          <a:xfrm>
+            <a:off x="1564104" y="381001"/>
+            <a:ext cx="10018713" cy="1094874"/>
+          </a:xfrm>
+        </p:spPr>
+        <p:txBody>
+          <a:bodyPr/>
+          <a:lstStyle/>
+          <a:p>
+            <a:r>
+              <a:rPr lang="en-US" dirty="0" smtClean="0"/>
+              <a:t>Measuring Success or Failure</a:t>
+            </a:r>
+            <a:endParaRPr lang="en-US" dirty="0"/>
+          </a:p>
+        </p:txBody>
+      </p:sp>
+      <p:sp>
+        <p:nvSpPr>
+          <p:cNvPr id="3" name="Content Placeholder 2"/>
+          <p:cNvSpPr>
+            <a:spLocks noGrp="1"/>
+          </p:cNvSpPr>
+          <p:nvPr>
+            <p:ph idx="1"/>
+          </p:nvPr>
+        </p:nvSpPr>
+        <p:spPr>
+          <a:xfrm>
+            <a:off x="1484311" y="2165685"/>
+            <a:ext cx="10178301" cy="4692315"/>
+          </a:xfrm>
+        </p:spPr>
+        <p:txBody>
+          <a:bodyPr>
+            <a:normAutofit lnSpcReduction="10000"/>
+          </a:bodyPr>
+          <a:lstStyle/>
+          <a:p>
+            <a:r>
+              <a:rPr lang="en-US" b="1" dirty="0" smtClean="0"/>
+              <a:t>Objective </a:t>
+            </a:r>
+          </a:p>
+          <a:p>
+            <a:pPr lvl="1"/>
+            <a:r>
+              <a:rPr lang="en-US" dirty="0" smtClean="0"/>
+              <a:t>Scenario Completion (yes/no)</a:t>
+            </a:r>
+          </a:p>
+          <a:p>
+            <a:pPr lvl="1"/>
+            <a:r>
+              <a:rPr lang="en-US" dirty="0" smtClean="0"/>
+              <a:t>Critical Errors (count them) – occur when a user can’t complete a task, gets wrong data/information, or needs the facilitator to help them complete a task.</a:t>
+            </a:r>
+          </a:p>
+          <a:p>
+            <a:pPr lvl="1"/>
+            <a:r>
+              <a:rPr lang="en-US" dirty="0" smtClean="0"/>
+              <a:t>Non-critical errors (count them) – occur when a user goes through a procedure incorrectly but still manages to complete the task.</a:t>
+            </a:r>
+          </a:p>
+          <a:p>
+            <a:pPr lvl="1"/>
+            <a:r>
+              <a:rPr lang="en-US" dirty="0" smtClean="0"/>
+              <a:t>Time on task (in minutes and seconds)</a:t>
+            </a:r>
+          </a:p>
+          <a:p>
+            <a:r>
+              <a:rPr lang="en-US" b="1" dirty="0" smtClean="0"/>
+              <a:t>Subjective (collected through questionnaire) </a:t>
+            </a:r>
+          </a:p>
+          <a:p>
+            <a:pPr lvl="1"/>
+            <a:r>
+              <a:rPr lang="en-US" dirty="0" smtClean="0"/>
+              <a:t>Ease of use </a:t>
+            </a:r>
+          </a:p>
+          <a:p>
+            <a:pPr lvl="1"/>
+            <a:r>
+              <a:rPr lang="en-US" dirty="0" smtClean="0"/>
+              <a:t>Satisfaction </a:t>
+            </a:r>
+          </a:p>
+          <a:p>
+            <a:pPr lvl="1"/>
+            <a:r>
+              <a:rPr lang="en-US" b="1" dirty="0" smtClean="0"/>
+              <a:t>Think-aloud Protocol - </a:t>
+            </a:r>
+            <a:r>
+              <a:rPr lang="en-US" dirty="0" smtClean="0"/>
+              <a:t>Ask user to narrate their thought process</a:t>
+            </a:r>
+          </a:p>
+          <a:p>
+            <a:pPr lvl="1"/>
+            <a:endParaRPr lang="en-US" dirty="0" smtClean="0"/>
+          </a:p>
+          <a:p>
+            <a:pPr lvl="1"/>
+            <a:endParaRPr lang="en-US" dirty="0" smtClean="0"/>
+          </a:p>
+          <a:p>
+            <a:pPr lvl="1"/>
+            <a:endParaRPr lang="en-US" dirty="0"/>
+          </a:p>
+        </p:txBody>
+      </p:sp>
+    </p:spTree>
+    <p:extLst>
+      <p:ext uri="{BB962C8B-B14F-4D97-AF65-F5344CB8AC3E}">
+        <p14:creationId xmlns:p14="http://schemas.microsoft.com/office/powerpoint/2010/main" val="1820232364"/>
+      </p:ext>
+    </p:extLst>
+  </p:cSld>
+  <p:clrMapOvr>
+    <a:masterClrMapping/>
+  </p:clrMapOvr>
+</p:sld>
+</file>
+
+<file path=ppt/slides/slide13.xml><?xml version="1.0" encoding="utf-8"?>
+<p:sld xmlns:a="http://schemas.openxmlformats.org/drawingml/2006/main" xmlns:r="http://schemas.openxmlformats.org/officeDocument/2006/relationships" xmlns:p="http://schemas.openxmlformats.org/presentationml/2006/main">
+  <p:cSld>
+    <p:spTree>
+      <p:nvGrpSpPr>
+        <p:cNvPr id="1" name=""/>
+        <p:cNvGrpSpPr/>
+        <p:nvPr/>
+      </p:nvGrpSpPr>
+      <p:grpSpPr>
+        <a:xfrm>
+          <a:off x="0" y="0"/>
+          <a:ext cx="0" cy="0"/>
+          <a:chOff x="0" y="0"/>
+          <a:chExt cx="0" cy="0"/>
+        </a:xfrm>
+      </p:grpSpPr>
+      <p:sp>
+        <p:nvSpPr>
+          <p:cNvPr id="2" name="Title 1"/>
+          <p:cNvSpPr>
+            <a:spLocks noGrp="1"/>
+          </p:cNvSpPr>
+          <p:nvPr>
+            <p:ph type="title"/>
+          </p:nvPr>
+        </p:nvSpPr>
+        <p:spPr/>
+        <p:txBody>
+          <a:bodyPr/>
+          <a:lstStyle/>
+          <a:p>
+            <a:r>
+              <a:rPr lang="en-US" dirty="0" smtClean="0"/>
+              <a:t>Conduct Test</a:t>
+            </a:r>
+            <a:endParaRPr lang="en-US" dirty="0"/>
+          </a:p>
+        </p:txBody>
+      </p:sp>
+      <p:sp>
+        <p:nvSpPr>
+          <p:cNvPr id="3" name="Content Placeholder 2"/>
+          <p:cNvSpPr>
+            <a:spLocks noGrp="1"/>
+          </p:cNvSpPr>
+          <p:nvPr>
+            <p:ph idx="1"/>
+          </p:nvPr>
+        </p:nvSpPr>
+        <p:spPr>
+          <a:xfrm>
+            <a:off x="1484310" y="2085475"/>
+            <a:ext cx="10178301" cy="3705726"/>
+          </a:xfrm>
+        </p:spPr>
+        <p:txBody>
+          <a:bodyPr/>
+          <a:lstStyle/>
+          <a:p>
+            <a:pPr marL="0" indent="0">
+              <a:buNone/>
+            </a:pPr>
+            <a:r>
+              <a:rPr lang="en-US" dirty="0" smtClean="0"/>
+              <a:t>Testing roles: </a:t>
+            </a:r>
+            <a:r>
+              <a:rPr lang="en-US" b="1" dirty="0" smtClean="0"/>
+              <a:t>facilitator </a:t>
+            </a:r>
+            <a:r>
+              <a:rPr lang="en-US" dirty="0" smtClean="0"/>
+              <a:t>and </a:t>
+            </a:r>
+            <a:r>
+              <a:rPr lang="en-US" b="1" dirty="0" smtClean="0"/>
+              <a:t>recorder</a:t>
+            </a:r>
+          </a:p>
+          <a:p>
+            <a:pPr marL="457200" indent="-457200">
+              <a:buFont typeface="+mj-lt"/>
+              <a:buAutoNum type="arabicPeriod"/>
+            </a:pPr>
+            <a:r>
+              <a:rPr lang="en-US" dirty="0" smtClean="0"/>
+              <a:t>Tester completes demographic questionnaire. </a:t>
+            </a:r>
+          </a:p>
+          <a:p>
+            <a:pPr marL="457200" indent="-457200">
+              <a:buFont typeface="+mj-lt"/>
+              <a:buAutoNum type="arabicPeriod"/>
+            </a:pPr>
+            <a:r>
+              <a:rPr lang="en-US" dirty="0" smtClean="0"/>
+              <a:t>Facilitator introduces test and reads scenario to user</a:t>
+            </a:r>
+          </a:p>
+          <a:p>
+            <a:pPr marL="457200" indent="-457200">
+              <a:buFont typeface="+mj-lt"/>
+              <a:buAutoNum type="arabicPeriod"/>
+            </a:pPr>
+            <a:r>
+              <a:rPr lang="en-US" dirty="0" smtClean="0"/>
+              <a:t>Facilitator informs the user that the test is on the product and on the user.</a:t>
+            </a:r>
+          </a:p>
+          <a:p>
+            <a:pPr marL="457200" indent="-457200">
+              <a:buFont typeface="+mj-lt"/>
+              <a:buAutoNum type="arabicPeriod"/>
+            </a:pPr>
+            <a:r>
+              <a:rPr lang="en-US" dirty="0" smtClean="0"/>
+              <a:t>Tester completes the tasks and thinks-aloud. </a:t>
+            </a:r>
+          </a:p>
+          <a:p>
+            <a:pPr marL="457200" indent="-457200">
+              <a:buFont typeface="+mj-lt"/>
+              <a:buAutoNum type="arabicPeriod"/>
+            </a:pPr>
+            <a:r>
+              <a:rPr lang="en-US" dirty="0" smtClean="0"/>
+              <a:t>Recorder records objective data and interesting phrases. </a:t>
+            </a:r>
+          </a:p>
+          <a:p>
+            <a:pPr marL="457200" indent="-457200">
+              <a:buFont typeface="+mj-lt"/>
+              <a:buAutoNum type="arabicPeriod"/>
+            </a:pPr>
+            <a:r>
+              <a:rPr lang="en-US" dirty="0" smtClean="0"/>
+              <a:t>Tester completes questionnaire.</a:t>
+            </a:r>
+          </a:p>
+        </p:txBody>
+      </p:sp>
+    </p:spTree>
+    <p:extLst>
+      <p:ext uri="{BB962C8B-B14F-4D97-AF65-F5344CB8AC3E}">
+        <p14:creationId xmlns:p14="http://schemas.microsoft.com/office/powerpoint/2010/main" val="410183066"/>
+      </p:ext>
+    </p:extLst>
+  </p:cSld>
+  <p:clrMapOvr>
+    <a:masterClrMapping/>
+  </p:clrMapOvr>
+</p:sld>
+</file>
+
+<file path=ppt/slides/slide14.xml><?xml version="1.0" encoding="utf-8"?>
+<p:sld xmlns:a="http://schemas.openxmlformats.org/drawingml/2006/main" xmlns:r="http://schemas.openxmlformats.org/officeDocument/2006/relationships" xmlns:p="http://schemas.openxmlformats.org/presentationml/2006/main">
+  <p:cSld>
+    <p:spTree>
+      <p:nvGrpSpPr>
+        <p:cNvPr id="1" name=""/>
+        <p:cNvGrpSpPr/>
+        <p:nvPr/>
+      </p:nvGrpSpPr>
+      <p:grpSpPr>
+        <a:xfrm>
+          <a:off x="0" y="0"/>
+          <a:ext cx="0" cy="0"/>
+          <a:chOff x="0" y="0"/>
+          <a:chExt cx="0" cy="0"/>
+        </a:xfrm>
+      </p:grpSpPr>
+      <p:sp>
+        <p:nvSpPr>
+          <p:cNvPr id="2" name="Title 1"/>
+          <p:cNvSpPr>
+            <a:spLocks noGrp="1"/>
+          </p:cNvSpPr>
+          <p:nvPr>
+            <p:ph type="title"/>
+          </p:nvPr>
+        </p:nvSpPr>
+        <p:spPr/>
+        <p:txBody>
+          <a:bodyPr/>
+          <a:lstStyle/>
+          <a:p>
+            <a:r>
+              <a:rPr lang="en-US" dirty="0" smtClean="0"/>
+              <a:t>Documents you’ll need</a:t>
+            </a:r>
+            <a:endParaRPr lang="en-US" dirty="0"/>
+          </a:p>
+        </p:txBody>
+      </p:sp>
+      <p:sp>
+        <p:nvSpPr>
+          <p:cNvPr id="3" name="Content Placeholder 2"/>
+          <p:cNvSpPr>
+            <a:spLocks noGrp="1"/>
+          </p:cNvSpPr>
+          <p:nvPr>
+            <p:ph idx="1"/>
+          </p:nvPr>
+        </p:nvSpPr>
+        <p:spPr/>
+        <p:txBody>
+          <a:bodyPr/>
+          <a:lstStyle/>
+          <a:p>
+            <a:pPr marL="457200" indent="-457200">
+              <a:buFont typeface="+mj-lt"/>
+              <a:buAutoNum type="arabicPeriod"/>
+            </a:pPr>
+            <a:r>
+              <a:rPr lang="en-US" dirty="0" smtClean="0"/>
+              <a:t>Demographic Questionnaire </a:t>
+            </a:r>
+          </a:p>
+          <a:p>
+            <a:pPr marL="457200" indent="-457200">
+              <a:buFont typeface="+mj-lt"/>
+              <a:buAutoNum type="arabicPeriod"/>
+            </a:pPr>
+            <a:r>
+              <a:rPr lang="en-US" dirty="0" smtClean="0"/>
+              <a:t>Facilitator script with introduction and written scenarios and tasks</a:t>
+            </a:r>
+          </a:p>
+          <a:p>
+            <a:pPr marL="457200" indent="-457200">
+              <a:buFont typeface="+mj-lt"/>
+              <a:buAutoNum type="arabicPeriod"/>
+            </a:pPr>
+            <a:r>
+              <a:rPr lang="en-US" dirty="0" smtClean="0"/>
+              <a:t>Data collection sheet </a:t>
+            </a:r>
+          </a:p>
+          <a:p>
+            <a:pPr marL="457200" indent="-457200">
+              <a:buFont typeface="+mj-lt"/>
+              <a:buAutoNum type="arabicPeriod"/>
+            </a:pPr>
+            <a:r>
+              <a:rPr lang="en-US" dirty="0" smtClean="0"/>
+              <a:t>Post-test questionnaire </a:t>
+            </a:r>
+            <a:endParaRPr lang="en-US" dirty="0"/>
+          </a:p>
+        </p:txBody>
+      </p:sp>
+    </p:spTree>
+    <p:extLst>
+      <p:ext uri="{BB962C8B-B14F-4D97-AF65-F5344CB8AC3E}">
+        <p14:creationId xmlns:p14="http://schemas.microsoft.com/office/powerpoint/2010/main" val="784900599"/>
+      </p:ext>
+    </p:extLst>
+  </p:cSld>
+  <p:clrMapOvr>
+    <a:masterClrMapping/>
+  </p:clrMapOvr>
+</p:sld>
+</file>
+
+<file path=ppt/slides/slide15.xml><?xml version="1.0" encoding="utf-8"?>
+<p:sld xmlns:a="http://schemas.openxmlformats.org/drawingml/2006/main" xmlns:r="http://schemas.openxmlformats.org/officeDocument/2006/relationships" xmlns:p="http://schemas.openxmlformats.org/presentationml/2006/main">
+  <p:cSld>
+    <p:spTree>
+      <p:nvGrpSpPr>
+        <p:cNvPr id="1" name=""/>
+        <p:cNvGrpSpPr/>
+        <p:nvPr/>
+      </p:nvGrpSpPr>
+      <p:grpSpPr>
+        <a:xfrm>
+          <a:off x="0" y="0"/>
+          <a:ext cx="0" cy="0"/>
+          <a:chOff x="0" y="0"/>
+          <a:chExt cx="0" cy="0"/>
+        </a:xfrm>
+      </p:grpSpPr>
+      <p:sp>
+        <p:nvSpPr>
+          <p:cNvPr id="2" name="Title 1"/>
+          <p:cNvSpPr>
+            <a:spLocks noGrp="1"/>
+          </p:cNvSpPr>
+          <p:nvPr>
+            <p:ph type="title"/>
+          </p:nvPr>
+        </p:nvSpPr>
+        <p:spPr>
+          <a:xfrm>
+            <a:off x="1484311" y="60160"/>
+            <a:ext cx="10018713" cy="1752599"/>
+          </a:xfrm>
+        </p:spPr>
+        <p:txBody>
+          <a:bodyPr/>
+          <a:lstStyle/>
+          <a:p>
+            <a:r>
+              <a:rPr lang="en-US" dirty="0" smtClean="0"/>
+              <a:t>Let’s talk about the Final Project</a:t>
+            </a:r>
+            <a:endParaRPr lang="en-US" dirty="0"/>
+          </a:p>
+        </p:txBody>
+      </p:sp>
+      <p:sp>
+        <p:nvSpPr>
+          <p:cNvPr id="3" name="Content Placeholder 2"/>
+          <p:cNvSpPr>
+            <a:spLocks noGrp="1"/>
+          </p:cNvSpPr>
+          <p:nvPr>
+            <p:ph idx="1"/>
+          </p:nvPr>
+        </p:nvSpPr>
+        <p:spPr>
+          <a:xfrm>
+            <a:off x="1484310" y="1812759"/>
+            <a:ext cx="10018714" cy="4588042"/>
+          </a:xfrm>
+        </p:spPr>
+        <p:txBody>
+          <a:bodyPr>
+            <a:normAutofit/>
+          </a:bodyPr>
+          <a:lstStyle/>
+          <a:p>
+            <a:r>
+              <a:rPr lang="en-US" dirty="0" smtClean="0">
+                <a:hlinkClick r:id="rId2"/>
+              </a:rPr>
+              <a:t>http://bold.heroku.com</a:t>
+            </a:r>
+            <a:endParaRPr lang="en-US" dirty="0" smtClean="0"/>
+          </a:p>
+          <a:p>
+            <a:r>
+              <a:rPr lang="en-US" dirty="0" smtClean="0"/>
+              <a:t>Purpose: A site to allow business owners to propose projects for technical communication courses at UNT. </a:t>
+            </a:r>
+          </a:p>
+          <a:p>
+            <a:r>
+              <a:rPr lang="en-US" dirty="0" smtClean="0"/>
+              <a:t>Secondary purpose: A site to allow instructors to view proposed projects and decide whether to use them in their courses</a:t>
+            </a:r>
+          </a:p>
+          <a:p>
+            <a:r>
+              <a:rPr lang="en-US" dirty="0" smtClean="0"/>
+              <a:t>Tertiary Purpose: A way to create lasting relationships between business owners and the department. </a:t>
+            </a:r>
+          </a:p>
+          <a:p>
+            <a:r>
+              <a:rPr lang="en-US" dirty="0" smtClean="0"/>
+              <a:t>Primary Audience: Business Owners </a:t>
+            </a:r>
+          </a:p>
+          <a:p>
+            <a:r>
+              <a:rPr lang="en-US" dirty="0" smtClean="0"/>
+              <a:t>Secondary Audience: Instructors</a:t>
+            </a:r>
+          </a:p>
+          <a:p>
+            <a:endParaRPr lang="en-US" dirty="0"/>
+          </a:p>
+        </p:txBody>
+      </p:sp>
+    </p:spTree>
+    <p:extLst>
+      <p:ext uri="{BB962C8B-B14F-4D97-AF65-F5344CB8AC3E}">
+        <p14:creationId xmlns:p14="http://schemas.microsoft.com/office/powerpoint/2010/main" val="938614312"/>
+      </p:ext>
+    </p:extLst>
+  </p:cSld>
+  <p:clrMapOvr>
+    <a:masterClrMapping/>
+  </p:clrMapOvr>
+</p:sld>
+</file>
+
+<file path=ppt/slides/slide16.xml><?xml version="1.0" encoding="utf-8"?>
+<p:sld xmlns:a="http://schemas.openxmlformats.org/drawingml/2006/main" xmlns:r="http://schemas.openxmlformats.org/officeDocument/2006/relationships" xmlns:p="http://schemas.openxmlformats.org/presentationml/2006/main">
+  <p:cSld>
+    <p:spTree>
+      <p:nvGrpSpPr>
+        <p:cNvPr id="1" name=""/>
+        <p:cNvGrpSpPr/>
+        <p:nvPr/>
+      </p:nvGrpSpPr>
+      <p:grpSpPr>
+        <a:xfrm>
+          <a:off x="0" y="0"/>
+          <a:ext cx="0" cy="0"/>
+          <a:chOff x="0" y="0"/>
+          <a:chExt cx="0" cy="0"/>
+        </a:xfrm>
+      </p:grpSpPr>
+      <p:sp>
+        <p:nvSpPr>
+          <p:cNvPr id="2" name="Title 1"/>
+          <p:cNvSpPr>
+            <a:spLocks noGrp="1"/>
+          </p:cNvSpPr>
+          <p:nvPr>
+            <p:ph type="title"/>
+          </p:nvPr>
+        </p:nvSpPr>
+        <p:spPr/>
+        <p:txBody>
+          <a:bodyPr/>
+          <a:lstStyle/>
+          <a:p>
+            <a:r>
+              <a:rPr lang="en-US" dirty="0" smtClean="0"/>
+              <a:t>Potential Tasks</a:t>
+            </a:r>
+            <a:endParaRPr lang="en-US" dirty="0"/>
+          </a:p>
+        </p:txBody>
+      </p:sp>
+      <p:sp>
+        <p:nvSpPr>
+          <p:cNvPr id="3" name="Content Placeholder 2"/>
+          <p:cNvSpPr>
+            <a:spLocks noGrp="1"/>
+          </p:cNvSpPr>
+          <p:nvPr>
+            <p:ph idx="1"/>
+          </p:nvPr>
+        </p:nvSpPr>
+        <p:spPr>
+          <a:xfrm>
+            <a:off x="1484311" y="2197769"/>
+            <a:ext cx="10242469" cy="3882189"/>
+          </a:xfrm>
+        </p:spPr>
+        <p:txBody>
+          <a:bodyPr>
+            <a:normAutofit lnSpcReduction="10000"/>
+          </a:bodyPr>
+          <a:lstStyle/>
+          <a:p>
+            <a:pPr marL="0" indent="0">
+              <a:buNone/>
+            </a:pPr>
+            <a:r>
+              <a:rPr lang="en-US" dirty="0" smtClean="0"/>
+              <a:t>NOTE: You’ll come up with </a:t>
+            </a:r>
+            <a:r>
+              <a:rPr lang="en-US" b="1" dirty="0" smtClean="0"/>
+              <a:t>WAY MORE SPECIFIC </a:t>
+            </a:r>
+            <a:r>
+              <a:rPr lang="en-US" dirty="0" smtClean="0"/>
+              <a:t>tasks for your usability test</a:t>
+            </a:r>
+          </a:p>
+          <a:p>
+            <a:pPr marL="0" indent="0">
+              <a:buNone/>
+            </a:pPr>
+            <a:endParaRPr lang="en-US" dirty="0" smtClean="0"/>
+          </a:p>
+          <a:p>
+            <a:r>
+              <a:rPr lang="en-US" dirty="0" smtClean="0"/>
+              <a:t>Register for an account</a:t>
+            </a:r>
+          </a:p>
+          <a:p>
+            <a:r>
+              <a:rPr lang="en-US" dirty="0" smtClean="0"/>
+              <a:t>Browse other proposals</a:t>
+            </a:r>
+          </a:p>
+          <a:p>
+            <a:r>
+              <a:rPr lang="en-US" dirty="0" smtClean="0"/>
+              <a:t>Filter/search proposals </a:t>
+            </a:r>
+          </a:p>
+          <a:p>
+            <a:r>
+              <a:rPr lang="en-US" dirty="0" smtClean="0"/>
+              <a:t>Propose a project</a:t>
+            </a:r>
+          </a:p>
+          <a:p>
+            <a:r>
+              <a:rPr lang="en-US" dirty="0" smtClean="0"/>
+              <a:t>Edit a project</a:t>
+            </a:r>
+          </a:p>
+          <a:p>
+            <a:r>
+              <a:rPr lang="en-US" dirty="0" smtClean="0"/>
+              <a:t>Delete a project</a:t>
+            </a:r>
+          </a:p>
+          <a:p>
+            <a:pPr marL="0" indent="0">
+              <a:buNone/>
+            </a:pPr>
+            <a:endParaRPr lang="en-US" dirty="0"/>
+          </a:p>
+        </p:txBody>
+      </p:sp>
+    </p:spTree>
+    <p:extLst>
+      <p:ext uri="{BB962C8B-B14F-4D97-AF65-F5344CB8AC3E}">
+        <p14:creationId xmlns:p14="http://schemas.microsoft.com/office/powerpoint/2010/main" val="944314350"/>
+      </p:ext>
+    </p:extLst>
+  </p:cSld>
+  <p:clrMapOvr>
+    <a:masterClrMapping/>
+  </p:clrMapOvr>
+</p:sld>
+</file>
+
+<file path=ppt/slides/slide17.xml><?xml version="1.0" encoding="utf-8"?>
+<p:sld xmlns:a="http://schemas.openxmlformats.org/drawingml/2006/main" xmlns:r="http://schemas.openxmlformats.org/officeDocument/2006/relationships" xmlns:p="http://schemas.openxmlformats.org/presentationml/2006/main">
+  <p:cSld>
+    <p:spTree>
+      <p:nvGrpSpPr>
+        <p:cNvPr id="1" name=""/>
+        <p:cNvGrpSpPr/>
+        <p:nvPr/>
+      </p:nvGrpSpPr>
+      <p:grpSpPr>
+        <a:xfrm>
+          <a:off x="0" y="0"/>
+          <a:ext cx="0" cy="0"/>
+          <a:chOff x="0" y="0"/>
+          <a:chExt cx="0" cy="0"/>
+        </a:xfrm>
+      </p:grpSpPr>
+      <p:sp>
+        <p:nvSpPr>
+          <p:cNvPr id="2" name="Title 1"/>
+          <p:cNvSpPr>
+            <a:spLocks noGrp="1"/>
+          </p:cNvSpPr>
+          <p:nvPr>
+            <p:ph type="title"/>
+          </p:nvPr>
+        </p:nvSpPr>
+        <p:spPr/>
+        <p:txBody>
+          <a:bodyPr/>
+          <a:lstStyle/>
+          <a:p>
+            <a:r>
+              <a:rPr lang="en-US" dirty="0" smtClean="0"/>
+              <a:t>Usability Testing Documents</a:t>
+            </a:r>
+            <a:endParaRPr lang="en-US" dirty="0"/>
+          </a:p>
+        </p:txBody>
+      </p:sp>
+      <p:sp>
+        <p:nvSpPr>
+          <p:cNvPr id="3" name="Content Placeholder 2"/>
+          <p:cNvSpPr>
+            <a:spLocks noGrp="1"/>
+          </p:cNvSpPr>
+          <p:nvPr>
+            <p:ph idx="1"/>
+          </p:nvPr>
+        </p:nvSpPr>
+        <p:spPr/>
+        <p:txBody>
+          <a:bodyPr/>
+          <a:lstStyle/>
+          <a:p>
+            <a:r>
+              <a:rPr lang="en-US" dirty="0" smtClean="0"/>
+              <a:t>Find templates on the Resources Page of the course website</a:t>
+            </a:r>
+          </a:p>
+          <a:p>
+            <a:r>
+              <a:rPr lang="en-US" dirty="0" smtClean="0"/>
+              <a:t>These are templates, which </a:t>
+            </a:r>
+            <a:r>
+              <a:rPr lang="en-US" smtClean="0"/>
+              <a:t>means you MUST make changes to them.</a:t>
+            </a:r>
+            <a:endParaRPr lang="en-US"/>
+          </a:p>
+        </p:txBody>
+      </p:sp>
+    </p:spTree>
+    <p:extLst>
+      <p:ext uri="{BB962C8B-B14F-4D97-AF65-F5344CB8AC3E}">
+        <p14:creationId xmlns:p14="http://schemas.microsoft.com/office/powerpoint/2010/main" val="2014519970"/>
+      </p:ext>
+    </p:extLst>
+  </p:cSld>
+  <p:clrMapOvr>
+    <a:masterClrMapping/>
+  </p:clrMapOvr>
+</p:sld>
+</file>
+
+<file path=ppt/slides/slide18.xml><?xml version="1.0" encoding="utf-8"?>
+<p:sld xmlns:a="http://schemas.openxmlformats.org/drawingml/2006/main" xmlns:r="http://schemas.openxmlformats.org/officeDocument/2006/relationships" xmlns:p="http://schemas.openxmlformats.org/presentationml/2006/main">
+  <p:cSld>
+    <p:spTree>
+      <p:nvGrpSpPr>
+        <p:cNvPr id="1" name=""/>
+        <p:cNvGrpSpPr/>
+        <p:nvPr/>
+      </p:nvGrpSpPr>
+      <p:grpSpPr>
+        <a:xfrm>
+          <a:off x="0" y="0"/>
+          <a:ext cx="0" cy="0"/>
+          <a:chOff x="0" y="0"/>
+          <a:chExt cx="0" cy="0"/>
+        </a:xfrm>
+      </p:grpSpPr>
+      <p:sp>
+        <p:nvSpPr>
+          <p:cNvPr id="2" name="Title 1"/>
+          <p:cNvSpPr>
+            <a:spLocks noGrp="1"/>
+          </p:cNvSpPr>
+          <p:nvPr>
+            <p:ph type="title"/>
+          </p:nvPr>
+        </p:nvSpPr>
+        <p:spPr/>
+        <p:txBody>
+          <a:bodyPr/>
+          <a:lstStyle/>
+          <a:p>
+            <a:r>
+              <a:rPr lang="en-US" dirty="0" smtClean="0"/>
+              <a:t>Writing the Report</a:t>
+            </a:r>
+            <a:endParaRPr lang="en-US" dirty="0"/>
+          </a:p>
+        </p:txBody>
+      </p:sp>
+      <p:sp>
+        <p:nvSpPr>
+          <p:cNvPr id="3" name="Content Placeholder 2"/>
+          <p:cNvSpPr>
+            <a:spLocks noGrp="1"/>
+          </p:cNvSpPr>
+          <p:nvPr>
+            <p:ph idx="1"/>
+          </p:nvPr>
+        </p:nvSpPr>
+        <p:spPr/>
+        <p:txBody>
+          <a:bodyPr/>
+          <a:lstStyle/>
+          <a:p>
+            <a:r>
+              <a:rPr lang="en-US" smtClean="0"/>
+              <a:t>We’ll talk more about this on Wednesday!</a:t>
+            </a:r>
+            <a:endParaRPr lang="en-US"/>
+          </a:p>
+        </p:txBody>
+      </p:sp>
+    </p:spTree>
+    <p:extLst>
+      <p:ext uri="{BB962C8B-B14F-4D97-AF65-F5344CB8AC3E}">
+        <p14:creationId xmlns:p14="http://schemas.microsoft.com/office/powerpoint/2010/main" val="1590412825"/>
+      </p:ext>
+    </p:extLst>
+  </p:cSld>
+  <p:clrMapOvr>
+    <a:masterClrMapping/>
+  </p:clrMapOvr>
+</p:sld>
+</file>
+
 <file path=ppt/slides/slide2.xml><?xml version="1.0" encoding="utf-8"?>
 <p:sld xmlns:a="http://schemas.openxmlformats.org/drawingml/2006/main" xmlns:r="http://schemas.openxmlformats.org/officeDocument/2006/relationships" xmlns:p="http://schemas.openxmlformats.org/presentationml/2006/main">
   <p:cSld>
@@ -6297,7 +7363,7 @@
           <a:p>
             <a:r>
               <a:rPr lang="en-US" dirty="0" smtClean="0"/>
-              <a:t>Usability Testing</a:t>
+              <a:t>What is Usability Testing?</a:t>
             </a:r>
             <a:endParaRPr lang="en-US" dirty="0"/>
           </a:p>
@@ -6326,9 +7392,25 @@
           <a:p>
             <a:r>
               <a:rPr lang="en-US" dirty="0" smtClean="0"/>
-              <a:t>Primary research method</a:t>
-            </a:r>
-            <a:endParaRPr lang="en-US" dirty="0"/>
+              <a:t>Primary research </a:t>
+            </a:r>
+            <a:r>
+              <a:rPr lang="en-US" dirty="0" smtClean="0"/>
+              <a:t>method</a:t>
+            </a:r>
+          </a:p>
+          <a:p>
+            <a:r>
+              <a:rPr lang="en-US" dirty="0" smtClean="0"/>
+              <a:t>A way to discover whether a product itself meets its intended purpose</a:t>
+            </a:r>
+            <a:endParaRPr lang="en-US" dirty="0"/>
+          </a:p>
+          <a:p>
+            <a:pPr marL="0" indent="0">
+              <a:buNone/>
+            </a:pPr>
+            <a:endParaRPr lang="en-US" dirty="0" smtClean="0"/>
           </a:p>
         </p:txBody>
       </p:sp>
@@ -6403,8 +7485,13 @@
             <a:pPr fontAlgn="base"/>
             <a:r>
               <a:rPr lang="en-US" dirty="0"/>
-              <a:t>Learn if participants are able to complete specified tasks successfully and</a:t>
-            </a:r>
+              <a:t>Learn if participants are able to complete specified tasks </a:t>
+            </a:r>
+            <a:r>
+              <a:rPr lang="en-US" dirty="0" smtClean="0"/>
+              <a:t>successfully</a:t>
+            </a:r>
+            <a:endParaRPr lang="en-US" dirty="0"/>
           </a:p>
           <a:p>
             <a:pPr fontAlgn="base"/>
@@ -6417,8 +7504,13 @@
             <a:pPr fontAlgn="base"/>
             <a:r>
               <a:rPr lang="en-US" dirty="0"/>
-              <a:t>Find out how satisfied participants are with your Web site or other product</a:t>
-            </a:r>
+              <a:t>Find out how satisfied participants are with your </a:t>
+            </a:r>
+            <a:r>
+              <a:rPr lang="en-US" dirty="0" smtClean="0"/>
+              <a:t>product</a:t>
+            </a:r>
+            <a:endParaRPr lang="en-US" dirty="0"/>
           </a:p>
           <a:p>
             <a:pPr fontAlgn="base"/>
@@ -6431,7 +7523,15 @@
             <a:pPr fontAlgn="base"/>
             <a:r>
               <a:rPr lang="en-US" dirty="0"/>
-              <a:t>And analyze the performance to see if it meets your usability objectives</a:t>
+              <a:t>A</a:t>
+            </a:r>
+            <a:r>
+              <a:rPr lang="en-US" dirty="0" smtClean="0"/>
+              <a:t>nalyze </a:t>
+            </a:r>
+            <a:r>
+              <a:rPr lang="en-US" dirty="0"/>
+              <a:t>the performance to see if it meets your usability objectives</a:t>
             </a:r>
           </a:p>
           <a:p>
@@ -6571,6 +7671,471 @@
     <p:extLst>
       <p:ext uri="{BB962C8B-B14F-4D97-AF65-F5344CB8AC3E}">
         <p14:creationId xmlns:p14="http://schemas.microsoft.com/office/powerpoint/2010/main" val="723212657"/>
+      </p:ext>
+    </p:extLst>
+  </p:cSld>
+  <p:clrMapOvr>
+    <a:masterClrMapping/>
+  </p:clrMapOvr>
+</p:sld>
+</file>
+
+<file path=ppt/slides/slide6.xml><?xml version="1.0" encoding="utf-8"?>
+<p:sld xmlns:a="http://schemas.openxmlformats.org/drawingml/2006/main" xmlns:r="http://schemas.openxmlformats.org/officeDocument/2006/relationships" xmlns:p="http://schemas.openxmlformats.org/presentationml/2006/main">
+  <p:cSld>
+    <p:spTree>
+      <p:nvGrpSpPr>
+        <p:cNvPr id="1" name=""/>
+        <p:cNvGrpSpPr/>
+        <p:nvPr/>
+      </p:nvGrpSpPr>
+      <p:grpSpPr>
+        <a:xfrm>
+          <a:off x="0" y="0"/>
+          <a:ext cx="0" cy="0"/>
+          <a:chOff x="0" y="0"/>
+          <a:chExt cx="0" cy="0"/>
+        </a:xfrm>
+      </p:grpSpPr>
+      <p:sp>
+        <p:nvSpPr>
+          <p:cNvPr id="2" name="Title 1"/>
+          <p:cNvSpPr>
+            <a:spLocks noGrp="1"/>
+          </p:cNvSpPr>
+          <p:nvPr>
+            <p:ph type="title"/>
+          </p:nvPr>
+        </p:nvSpPr>
+        <p:spPr/>
+        <p:txBody>
+          <a:bodyPr/>
+          <a:lstStyle/>
+          <a:p>
+            <a:r>
+              <a:rPr lang="en-US" dirty="0" smtClean="0"/>
+              <a:t>Identify your target user…</a:t>
+            </a:r>
+            <a:endParaRPr lang="en-US" dirty="0"/>
+          </a:p>
+        </p:txBody>
+      </p:sp>
+      <p:sp>
+        <p:nvSpPr>
+          <p:cNvPr id="3" name="Content Placeholder 2"/>
+          <p:cNvSpPr>
+            <a:spLocks noGrp="1"/>
+          </p:cNvSpPr>
+          <p:nvPr>
+            <p:ph idx="1"/>
+          </p:nvPr>
+        </p:nvSpPr>
+        <p:spPr/>
+        <p:txBody>
+          <a:bodyPr/>
+          <a:lstStyle/>
+          <a:p>
+            <a:pPr marL="0" indent="0">
+              <a:buNone/>
+            </a:pPr>
+            <a:r>
+              <a:rPr lang="en-US" dirty="0" smtClean="0"/>
+              <a:t>Answer the following questions:</a:t>
+            </a:r>
+          </a:p>
+          <a:p>
+            <a:pPr marL="457200" indent="-457200">
+              <a:buFont typeface="+mj-lt"/>
+              <a:buAutoNum type="arabicPeriod"/>
+            </a:pPr>
+            <a:r>
+              <a:rPr lang="en-US" dirty="0" smtClean="0"/>
+              <a:t>What is the demographic of people that would most likely use this product? (Age, gender, etc.)</a:t>
+            </a:r>
+          </a:p>
+          <a:p>
+            <a:pPr marL="457200" indent="-457200">
+              <a:buFont typeface="+mj-lt"/>
+              <a:buAutoNum type="arabicPeriod"/>
+            </a:pPr>
+            <a:r>
+              <a:rPr lang="en-US" dirty="0" smtClean="0"/>
+              <a:t>What is the prior knowledge of the target user?</a:t>
+            </a:r>
+            <a:endParaRPr lang="en-US" dirty="0"/>
+          </a:p>
+        </p:txBody>
+      </p:sp>
+    </p:spTree>
+    <p:extLst>
+      <p:ext uri="{BB962C8B-B14F-4D97-AF65-F5344CB8AC3E}">
+        <p14:creationId xmlns:p14="http://schemas.microsoft.com/office/powerpoint/2010/main" val="485133714"/>
+      </p:ext>
+    </p:extLst>
+  </p:cSld>
+  <p:clrMapOvr>
+    <a:masterClrMapping/>
+  </p:clrMapOvr>
+</p:sld>
+</file>
+
+<file path=ppt/slides/slide7.xml><?xml version="1.0" encoding="utf-8"?>
+<p:sld xmlns:a="http://schemas.openxmlformats.org/drawingml/2006/main" xmlns:r="http://schemas.openxmlformats.org/officeDocument/2006/relationships" xmlns:p="http://schemas.openxmlformats.org/presentationml/2006/main">
+  <p:cSld>
+    <p:spTree>
+      <p:nvGrpSpPr>
+        <p:cNvPr id="1" name=""/>
+        <p:cNvGrpSpPr/>
+        <p:nvPr/>
+      </p:nvGrpSpPr>
+      <p:grpSpPr>
+        <a:xfrm>
+          <a:off x="0" y="0"/>
+          <a:ext cx="0" cy="0"/>
+          <a:chOff x="0" y="0"/>
+          <a:chExt cx="0" cy="0"/>
+        </a:xfrm>
+      </p:grpSpPr>
+      <p:sp>
+        <p:nvSpPr>
+          <p:cNvPr id="2" name="Title 1"/>
+          <p:cNvSpPr>
+            <a:spLocks noGrp="1"/>
+          </p:cNvSpPr>
+          <p:nvPr>
+            <p:ph type="title"/>
+          </p:nvPr>
+        </p:nvSpPr>
+        <p:spPr/>
+        <p:txBody>
+          <a:bodyPr/>
+          <a:lstStyle/>
+          <a:p>
+            <a:r>
+              <a:rPr lang="en-US" dirty="0" smtClean="0"/>
+              <a:t>Create Scenarios and Tasks</a:t>
+            </a:r>
+            <a:endParaRPr lang="en-US" dirty="0"/>
+          </a:p>
+        </p:txBody>
+      </p:sp>
+      <p:sp>
+        <p:nvSpPr>
+          <p:cNvPr id="3" name="Content Placeholder 2"/>
+          <p:cNvSpPr>
+            <a:spLocks noGrp="1"/>
+          </p:cNvSpPr>
+          <p:nvPr>
+            <p:ph idx="1"/>
+          </p:nvPr>
+        </p:nvSpPr>
+        <p:spPr>
+          <a:xfrm>
+            <a:off x="1484310" y="2021305"/>
+            <a:ext cx="10210385" cy="3769895"/>
+          </a:xfrm>
+        </p:spPr>
+        <p:txBody>
+          <a:bodyPr/>
+          <a:lstStyle/>
+          <a:p>
+            <a:r>
+              <a:rPr lang="en-US" dirty="0" smtClean="0"/>
+              <a:t>Tasks are the things your user needs to accomplish</a:t>
+            </a:r>
+          </a:p>
+          <a:p>
+            <a:r>
+              <a:rPr lang="en-US" dirty="0" smtClean="0"/>
+              <a:t>Tasks should be </a:t>
+            </a:r>
+            <a:r>
+              <a:rPr lang="en-US" b="1" dirty="0" smtClean="0"/>
+              <a:t>realistic</a:t>
+            </a:r>
+          </a:p>
+          <a:p>
+            <a:r>
+              <a:rPr lang="en-US" dirty="0" smtClean="0"/>
+              <a:t>Tasks should be </a:t>
+            </a:r>
+            <a:r>
+              <a:rPr lang="en-US" b="1" dirty="0" smtClean="0"/>
+              <a:t>Actionable</a:t>
+            </a:r>
+          </a:p>
+          <a:p>
+            <a:r>
+              <a:rPr lang="en-US" dirty="0" smtClean="0"/>
+              <a:t>Tasks should be refrain from using </a:t>
+            </a:r>
+            <a:r>
+              <a:rPr lang="en-US" b="1" dirty="0" smtClean="0"/>
+              <a:t>clues or describing steps</a:t>
+            </a:r>
+          </a:p>
+          <a:p>
+            <a:pPr marL="0" indent="0">
+              <a:buNone/>
+            </a:pPr>
+            <a:endParaRPr lang="en-US" dirty="0"/>
+          </a:p>
+        </p:txBody>
+      </p:sp>
+    </p:spTree>
+    <p:extLst>
+      <p:ext uri="{BB962C8B-B14F-4D97-AF65-F5344CB8AC3E}">
+        <p14:creationId xmlns:p14="http://schemas.microsoft.com/office/powerpoint/2010/main" val="60373803"/>
+      </p:ext>
+    </p:extLst>
+  </p:cSld>
+  <p:clrMapOvr>
+    <a:masterClrMapping/>
+  </p:clrMapOvr>
+</p:sld>
+</file>
+
+<file path=ppt/slides/slide8.xml><?xml version="1.0" encoding="utf-8"?>
+<p:sld xmlns:a="http://schemas.openxmlformats.org/drawingml/2006/main" xmlns:r="http://schemas.openxmlformats.org/officeDocument/2006/relationships" xmlns:p="http://schemas.openxmlformats.org/presentationml/2006/main">
+  <p:cSld>
+    <p:spTree>
+      <p:nvGrpSpPr>
+        <p:cNvPr id="1" name=""/>
+        <p:cNvGrpSpPr/>
+        <p:nvPr/>
+      </p:nvGrpSpPr>
+      <p:grpSpPr>
+        <a:xfrm>
+          <a:off x="0" y="0"/>
+          <a:ext cx="0" cy="0"/>
+          <a:chOff x="0" y="0"/>
+          <a:chExt cx="0" cy="0"/>
+        </a:xfrm>
+      </p:grpSpPr>
+      <p:sp>
+        <p:nvSpPr>
+          <p:cNvPr id="2" name="Title 1"/>
+          <p:cNvSpPr>
+            <a:spLocks noGrp="1"/>
+          </p:cNvSpPr>
+          <p:nvPr>
+            <p:ph type="title"/>
+          </p:nvPr>
+        </p:nvSpPr>
+        <p:spPr/>
+        <p:txBody>
+          <a:bodyPr/>
+          <a:lstStyle/>
+          <a:p>
+            <a:r>
+              <a:rPr lang="en-US" dirty="0" smtClean="0"/>
+              <a:t>Unrealistic/Realistic Task Examples </a:t>
+            </a:r>
+            <a:endParaRPr lang="en-US" dirty="0"/>
+          </a:p>
+        </p:txBody>
+      </p:sp>
+      <p:sp>
+        <p:nvSpPr>
+          <p:cNvPr id="3" name="Content Placeholder 2"/>
+          <p:cNvSpPr>
+            <a:spLocks noGrp="1"/>
+          </p:cNvSpPr>
+          <p:nvPr>
+            <p:ph idx="1"/>
+          </p:nvPr>
+        </p:nvSpPr>
+        <p:spPr/>
+        <p:txBody>
+          <a:bodyPr/>
+          <a:lstStyle/>
+          <a:p>
+            <a:r>
+              <a:rPr lang="en-US" dirty="0"/>
+              <a:t>User goal: Browse product offerings and purchase an </a:t>
+            </a:r>
+            <a:r>
+              <a:rPr lang="en-US" dirty="0" smtClean="0"/>
+              <a:t>item.</a:t>
+            </a:r>
+          </a:p>
+          <a:p>
+            <a:r>
+              <a:rPr lang="en-US" dirty="0" smtClean="0"/>
+              <a:t>Poor </a:t>
+            </a:r>
+            <a:r>
+              <a:rPr lang="en-US" dirty="0"/>
+              <a:t>task: </a:t>
+            </a:r>
+            <a:r>
+              <a:rPr lang="en-US" i="1" dirty="0"/>
+              <a:t>Purchase a pair of orange Nike running </a:t>
+            </a:r>
+            <a:r>
+              <a:rPr lang="en-US" i="1" dirty="0" smtClean="0"/>
+              <a:t>shoes.</a:t>
+            </a:r>
+            <a:endParaRPr lang="en-US" dirty="0" smtClean="0"/>
+          </a:p>
+          <a:p>
+            <a:r>
+              <a:rPr lang="en-US" dirty="0" smtClean="0"/>
+              <a:t>Better </a:t>
+            </a:r>
+            <a:r>
+              <a:rPr lang="en-US" dirty="0"/>
+              <a:t>task:</a:t>
+            </a:r>
+            <a:r>
+              <a:rPr lang="en-US" i="1" dirty="0"/>
+              <a:t> Buy a pair of shoes for under $40.</a:t>
+            </a:r>
+            <a:endParaRPr lang="en-US" dirty="0"/>
+          </a:p>
+        </p:txBody>
+      </p:sp>
+    </p:spTree>
+    <p:extLst>
+      <p:ext uri="{BB962C8B-B14F-4D97-AF65-F5344CB8AC3E}">
+        <p14:creationId xmlns:p14="http://schemas.microsoft.com/office/powerpoint/2010/main" val="66016332"/>
+      </p:ext>
+    </p:extLst>
+  </p:cSld>
+  <p:clrMapOvr>
+    <a:masterClrMapping/>
+  </p:clrMapOvr>
+</p:sld>
+</file>
+
+<file path=ppt/slides/slide9.xml><?xml version="1.0" encoding="utf-8"?>
+<p:sld xmlns:a="http://schemas.openxmlformats.org/drawingml/2006/main" xmlns:r="http://schemas.openxmlformats.org/officeDocument/2006/relationships" xmlns:p="http://schemas.openxmlformats.org/presentationml/2006/main">
+  <p:cSld>
+    <p:spTree>
+      <p:nvGrpSpPr>
+        <p:cNvPr id="1" name=""/>
+        <p:cNvGrpSpPr/>
+        <p:nvPr/>
+      </p:nvGrpSpPr>
+      <p:grpSpPr>
+        <a:xfrm>
+          <a:off x="0" y="0"/>
+          <a:ext cx="0" cy="0"/>
+          <a:chOff x="0" y="0"/>
+          <a:chExt cx="0" cy="0"/>
+        </a:xfrm>
+      </p:grpSpPr>
+      <p:sp>
+        <p:nvSpPr>
+          <p:cNvPr id="2" name="Title 1"/>
+          <p:cNvSpPr>
+            <a:spLocks noGrp="1"/>
+          </p:cNvSpPr>
+          <p:nvPr>
+            <p:ph type="title"/>
+          </p:nvPr>
+        </p:nvSpPr>
+        <p:spPr/>
+        <p:txBody>
+          <a:bodyPr/>
+          <a:lstStyle/>
+          <a:p>
+            <a:r>
+              <a:rPr lang="en-US" dirty="0" smtClean="0"/>
+              <a:t>Actionable/</a:t>
+            </a:r>
+            <a:r>
+              <a:rPr lang="en-US" dirty="0" err="1" smtClean="0"/>
+              <a:t>Unactionable</a:t>
+            </a:r>
+            <a:r>
+              <a:rPr lang="en-US" dirty="0" smtClean="0"/>
+              <a:t> Task Examples</a:t>
+            </a:r>
+            <a:endParaRPr lang="en-US" dirty="0"/>
+          </a:p>
+        </p:txBody>
+      </p:sp>
+      <p:sp>
+        <p:nvSpPr>
+          <p:cNvPr id="3" name="Content Placeholder 2"/>
+          <p:cNvSpPr>
+            <a:spLocks noGrp="1"/>
+          </p:cNvSpPr>
+          <p:nvPr>
+            <p:ph idx="1"/>
+          </p:nvPr>
+        </p:nvSpPr>
+        <p:spPr/>
+        <p:txBody>
+          <a:bodyPr/>
+          <a:lstStyle/>
+          <a:p>
+            <a:r>
+              <a:rPr lang="en-US" dirty="0"/>
+              <a:t>User goal: Find movie and show </a:t>
+            </a:r>
+            <a:r>
+              <a:rPr lang="en-US" dirty="0" smtClean="0"/>
+              <a:t>times.</a:t>
+            </a:r>
+          </a:p>
+          <a:p>
+            <a:r>
+              <a:rPr lang="en-US" dirty="0" smtClean="0"/>
+              <a:t>Poor </a:t>
+            </a:r>
+            <a:r>
+              <a:rPr lang="en-US" dirty="0"/>
+              <a:t>task: </a:t>
+            </a:r>
+            <a:r>
+              <a:rPr lang="en-US" i="1" dirty="0"/>
+              <a:t>You want to see a movie Sunday afternoon. Go to </a:t>
+            </a:r>
+            <a:r>
+              <a:rPr lang="en-US" i="1" dirty="0" err="1"/>
+              <a:t>www.fandango.com</a:t>
+            </a:r>
+            <a:r>
+              <a:rPr lang="en-US" i="1" dirty="0"/>
+              <a:t> and tell me where you’d click </a:t>
+            </a:r>
+            <a:r>
+              <a:rPr lang="en-US" i="1" dirty="0" smtClean="0"/>
+              <a:t>next.</a:t>
+            </a:r>
+            <a:endParaRPr lang="en-US" dirty="0" smtClean="0"/>
+          </a:p>
+          <a:p>
+            <a:r>
+              <a:rPr lang="en-US" dirty="0" smtClean="0"/>
+              <a:t>Better </a:t>
+            </a:r>
+            <a:r>
+              <a:rPr lang="en-US" dirty="0"/>
+              <a:t>task: </a:t>
+            </a:r>
+            <a:r>
+              <a:rPr lang="en-US" i="1" dirty="0"/>
+              <a:t>Use </a:t>
+            </a:r>
+            <a:r>
+              <a:rPr lang="en-US" i="1" dirty="0" err="1"/>
+              <a:t>www.fandago.com</a:t>
+            </a:r>
+            <a:r>
+              <a:rPr lang="en-US" i="1" dirty="0"/>
+              <a:t> to find a movie you’d be interested in seeing on Sunday afternoon.</a:t>
+            </a:r>
+            <a:endParaRPr lang="en-US" dirty="0"/>
+          </a:p>
+        </p:txBody>
+      </p:sp>
+    </p:spTree>
+    <p:extLst>
+      <p:ext uri="{BB962C8B-B14F-4D97-AF65-F5344CB8AC3E}">
+        <p14:creationId xmlns:p14="http://schemas.microsoft.com/office/powerpoint/2010/main" val="632639113"/>
       </p:ext>
     </p:extLst>
   </p:cSld>
